--- a/wiki/misc/wiki_diagrams.pptx
+++ b/wiki/misc/wiki_diagrams.pptx
@@ -6,6 +6,7 @@
   </p:sldMasterIdLst>
   <p:sldIdLst>
     <p:sldId id="256" r:id="rId2"/>
+    <p:sldId id="257" r:id="rId3"/>
   </p:sldIdLst>
   <p:sldSz cx="9144000" cy="6858000" type="screen4x3"/>
   <p:notesSz cx="6858000" cy="9144000"/>
@@ -288,7 +289,7 @@
           <a:p>
             <a:fld id="{3CC074C4-2AE1-414C-91DB-3E361F763F8A}" type="datetimeFigureOut">
               <a:rPr lang="en-CA" smtClean="0"/>
-              <a:t>09/12/2011</a:t>
+              <a:t>12/12/2011</a:t>
             </a:fld>
             <a:endParaRPr lang="en-CA"/>
           </a:p>
@@ -458,7 +459,7 @@
           <a:p>
             <a:fld id="{3CC074C4-2AE1-414C-91DB-3E361F763F8A}" type="datetimeFigureOut">
               <a:rPr lang="en-CA" smtClean="0"/>
-              <a:t>09/12/2011</a:t>
+              <a:t>12/12/2011</a:t>
             </a:fld>
             <a:endParaRPr lang="en-CA"/>
           </a:p>
@@ -638,7 +639,7 @@
           <a:p>
             <a:fld id="{3CC074C4-2AE1-414C-91DB-3E361F763F8A}" type="datetimeFigureOut">
               <a:rPr lang="en-CA" smtClean="0"/>
-              <a:t>09/12/2011</a:t>
+              <a:t>12/12/2011</a:t>
             </a:fld>
             <a:endParaRPr lang="en-CA"/>
           </a:p>
@@ -808,7 +809,7 @@
           <a:p>
             <a:fld id="{3CC074C4-2AE1-414C-91DB-3E361F763F8A}" type="datetimeFigureOut">
               <a:rPr lang="en-CA" smtClean="0"/>
-              <a:t>09/12/2011</a:t>
+              <a:t>12/12/2011</a:t>
             </a:fld>
             <a:endParaRPr lang="en-CA"/>
           </a:p>
@@ -1054,7 +1055,7 @@
           <a:p>
             <a:fld id="{3CC074C4-2AE1-414C-91DB-3E361F763F8A}" type="datetimeFigureOut">
               <a:rPr lang="en-CA" smtClean="0"/>
-              <a:t>09/12/2011</a:t>
+              <a:t>12/12/2011</a:t>
             </a:fld>
             <a:endParaRPr lang="en-CA"/>
           </a:p>
@@ -1342,7 +1343,7 @@
           <a:p>
             <a:fld id="{3CC074C4-2AE1-414C-91DB-3E361F763F8A}" type="datetimeFigureOut">
               <a:rPr lang="en-CA" smtClean="0"/>
-              <a:t>09/12/2011</a:t>
+              <a:t>12/12/2011</a:t>
             </a:fld>
             <a:endParaRPr lang="en-CA"/>
           </a:p>
@@ -1764,7 +1765,7 @@
           <a:p>
             <a:fld id="{3CC074C4-2AE1-414C-91DB-3E361F763F8A}" type="datetimeFigureOut">
               <a:rPr lang="en-CA" smtClean="0"/>
-              <a:t>09/12/2011</a:t>
+              <a:t>12/12/2011</a:t>
             </a:fld>
             <a:endParaRPr lang="en-CA"/>
           </a:p>
@@ -1882,7 +1883,7 @@
           <a:p>
             <a:fld id="{3CC074C4-2AE1-414C-91DB-3E361F763F8A}" type="datetimeFigureOut">
               <a:rPr lang="en-CA" smtClean="0"/>
-              <a:t>09/12/2011</a:t>
+              <a:t>12/12/2011</a:t>
             </a:fld>
             <a:endParaRPr lang="en-CA"/>
           </a:p>
@@ -1977,7 +1978,7 @@
           <a:p>
             <a:fld id="{3CC074C4-2AE1-414C-91DB-3E361F763F8A}" type="datetimeFigureOut">
               <a:rPr lang="en-CA" smtClean="0"/>
-              <a:t>09/12/2011</a:t>
+              <a:t>12/12/2011</a:t>
             </a:fld>
             <a:endParaRPr lang="en-CA"/>
           </a:p>
@@ -2254,7 +2255,7 @@
           <a:p>
             <a:fld id="{3CC074C4-2AE1-414C-91DB-3E361F763F8A}" type="datetimeFigureOut">
               <a:rPr lang="en-CA" smtClean="0"/>
-              <a:t>09/12/2011</a:t>
+              <a:t>12/12/2011</a:t>
             </a:fld>
             <a:endParaRPr lang="en-CA"/>
           </a:p>
@@ -2507,7 +2508,7 @@
           <a:p>
             <a:fld id="{3CC074C4-2AE1-414C-91DB-3E361F763F8A}" type="datetimeFigureOut">
               <a:rPr lang="en-CA" smtClean="0"/>
-              <a:t>09/12/2011</a:t>
+              <a:t>12/12/2011</a:t>
             </a:fld>
             <a:endParaRPr lang="en-CA"/>
           </a:p>
@@ -2720,7 +2721,7 @@
           <a:p>
             <a:fld id="{3CC074C4-2AE1-414C-91DB-3E361F763F8A}" type="datetimeFigureOut">
               <a:rPr lang="en-CA" smtClean="0"/>
-              <a:t>09/12/2011</a:t>
+              <a:t>12/12/2011</a:t>
             </a:fld>
             <a:endParaRPr lang="en-CA"/>
           </a:p>
@@ -3653,6 +3654,1039 @@
 </p:sld>
 </file>
 
+<file path=ppt/slides/slide2.xml><?xml version="1.0" encoding="utf-8"?>
+<p:sld xmlns:a="http://schemas.openxmlformats.org/drawingml/2006/main" xmlns:r="http://schemas.openxmlformats.org/officeDocument/2006/relationships" xmlns:p="http://schemas.openxmlformats.org/presentationml/2006/main">
+  <p:cSld>
+    <p:spTree>
+      <p:nvGrpSpPr>
+        <p:cNvPr id="1" name=""/>
+        <p:cNvGrpSpPr/>
+        <p:nvPr/>
+      </p:nvGrpSpPr>
+      <p:grpSpPr>
+        <a:xfrm>
+          <a:off x="0" y="0"/>
+          <a:ext cx="0" cy="0"/>
+          <a:chOff x="0" y="0"/>
+          <a:chExt cx="0" cy="0"/>
+        </a:xfrm>
+      </p:grpSpPr>
+      <p:sp>
+        <p:nvSpPr>
+          <p:cNvPr id="2" name="Rectangle 1"/>
+          <p:cNvSpPr/>
+          <p:nvPr/>
+        </p:nvSpPr>
+        <p:spPr>
+          <a:xfrm>
+            <a:off x="3275856" y="995064"/>
+            <a:ext cx="1186311" cy="244860"/>
+          </a:xfrm>
+          <a:prstGeom prst="rect">
+            <a:avLst/>
+          </a:prstGeom>
+          <a:solidFill>
+            <a:schemeClr val="tx2">
+              <a:lumMod val="60000"/>
+              <a:lumOff val="40000"/>
+            </a:schemeClr>
+          </a:solidFill>
+        </p:spPr>
+        <p:style>
+          <a:lnRef idx="0">
+            <a:schemeClr val="accent1"/>
+          </a:lnRef>
+          <a:fillRef idx="3">
+            <a:schemeClr val="accent1"/>
+          </a:fillRef>
+          <a:effectRef idx="3">
+            <a:schemeClr val="accent1"/>
+          </a:effectRef>
+          <a:fontRef idx="minor">
+            <a:schemeClr val="lt1"/>
+          </a:fontRef>
+        </p:style>
+        <p:txBody>
+          <a:bodyPr rtlCol="0" anchor="ctr"/>
+          <a:lstStyle/>
+          <a:p>
+            <a:pPr algn="ctr"/>
+            <a:r>
+              <a:rPr lang="en-US" sz="1400" dirty="0" smtClean="0"/>
+              <a:t>&lt;</a:t>
+            </a:r>
+            <a:r>
+              <a:rPr lang="en-US" sz="1400" dirty="0" err="1" smtClean="0"/>
+              <a:t>task_name</a:t>
+            </a:r>
+            <a:r>
+              <a:rPr lang="en-US" sz="1400" dirty="0" smtClean="0"/>
+              <a:t>&gt;</a:t>
+            </a:r>
+            <a:endParaRPr lang="en-CA" sz="1400" dirty="0"/>
+          </a:p>
+        </p:txBody>
+      </p:sp>
+      <p:sp>
+        <p:nvSpPr>
+          <p:cNvPr id="3" name="Rectangle 2"/>
+          <p:cNvSpPr/>
+          <p:nvPr/>
+        </p:nvSpPr>
+        <p:spPr>
+          <a:xfrm>
+            <a:off x="2699792" y="1455948"/>
+            <a:ext cx="576064" cy="244860"/>
+          </a:xfrm>
+          <a:prstGeom prst="rect">
+            <a:avLst/>
+          </a:prstGeom>
+          <a:solidFill>
+            <a:schemeClr val="tx2">
+              <a:lumMod val="60000"/>
+              <a:lumOff val="40000"/>
+            </a:schemeClr>
+          </a:solidFill>
+        </p:spPr>
+        <p:style>
+          <a:lnRef idx="0">
+            <a:schemeClr val="accent1"/>
+          </a:lnRef>
+          <a:fillRef idx="3">
+            <a:schemeClr val="accent1"/>
+          </a:fillRef>
+          <a:effectRef idx="3">
+            <a:schemeClr val="accent1"/>
+          </a:effectRef>
+          <a:fontRef idx="minor">
+            <a:schemeClr val="lt1"/>
+          </a:fontRef>
+        </p:style>
+        <p:txBody>
+          <a:bodyPr rtlCol="0" anchor="ctr"/>
+          <a:lstStyle/>
+          <a:p>
+            <a:pPr algn="ctr"/>
+            <a:r>
+              <a:rPr lang="en-US" sz="1400" dirty="0" smtClean="0"/>
+              <a:t>exp0</a:t>
+            </a:r>
+            <a:endParaRPr lang="en-CA" sz="1400" dirty="0"/>
+          </a:p>
+        </p:txBody>
+      </p:sp>
+      <p:sp>
+        <p:nvSpPr>
+          <p:cNvPr id="4" name="Rectangle 3"/>
+          <p:cNvSpPr/>
+          <p:nvPr/>
+        </p:nvSpPr>
+        <p:spPr>
+          <a:xfrm>
+            <a:off x="3580980" y="1455948"/>
+            <a:ext cx="576064" cy="244860"/>
+          </a:xfrm>
+          <a:prstGeom prst="rect">
+            <a:avLst/>
+          </a:prstGeom>
+          <a:solidFill>
+            <a:schemeClr val="tx2">
+              <a:lumMod val="60000"/>
+              <a:lumOff val="40000"/>
+            </a:schemeClr>
+          </a:solidFill>
+        </p:spPr>
+        <p:style>
+          <a:lnRef idx="0">
+            <a:schemeClr val="accent1"/>
+          </a:lnRef>
+          <a:fillRef idx="3">
+            <a:schemeClr val="accent1"/>
+          </a:fillRef>
+          <a:effectRef idx="3">
+            <a:schemeClr val="accent1"/>
+          </a:effectRef>
+          <a:fontRef idx="minor">
+            <a:schemeClr val="lt1"/>
+          </a:fontRef>
+        </p:style>
+        <p:txBody>
+          <a:bodyPr rtlCol="0" anchor="ctr"/>
+          <a:lstStyle/>
+          <a:p>
+            <a:pPr algn="ctr"/>
+            <a:r>
+              <a:rPr lang="en-US" sz="1400" dirty="0" smtClean="0"/>
+              <a:t>exp1</a:t>
+            </a:r>
+            <a:endParaRPr lang="en-CA" sz="1400" dirty="0"/>
+          </a:p>
+        </p:txBody>
+      </p:sp>
+      <p:sp>
+        <p:nvSpPr>
+          <p:cNvPr id="6" name="Rectangle 5"/>
+          <p:cNvSpPr/>
+          <p:nvPr/>
+        </p:nvSpPr>
+        <p:spPr>
+          <a:xfrm>
+            <a:off x="2123728" y="1938418"/>
+            <a:ext cx="783704" cy="244860"/>
+          </a:xfrm>
+          <a:prstGeom prst="rect">
+            <a:avLst/>
+          </a:prstGeom>
+          <a:solidFill>
+            <a:schemeClr val="tx2">
+              <a:lumMod val="60000"/>
+              <a:lumOff val="40000"/>
+            </a:schemeClr>
+          </a:solidFill>
+        </p:spPr>
+        <p:style>
+          <a:lnRef idx="0">
+            <a:schemeClr val="accent1"/>
+          </a:lnRef>
+          <a:fillRef idx="3">
+            <a:schemeClr val="accent1"/>
+          </a:fillRef>
+          <a:effectRef idx="3">
+            <a:schemeClr val="accent1"/>
+          </a:effectRef>
+          <a:fontRef idx="minor">
+            <a:schemeClr val="lt1"/>
+          </a:fontRef>
+        </p:style>
+        <p:txBody>
+          <a:bodyPr rtlCol="0" anchor="ctr"/>
+          <a:lstStyle/>
+          <a:p>
+            <a:pPr algn="ctr"/>
+            <a:r>
+              <a:rPr lang="en-US" sz="1400" dirty="0" smtClean="0"/>
+              <a:t>&lt;arch1&gt;</a:t>
+            </a:r>
+            <a:endParaRPr lang="en-CA" sz="1400" dirty="0"/>
+          </a:p>
+        </p:txBody>
+      </p:sp>
+      <p:sp>
+        <p:nvSpPr>
+          <p:cNvPr id="7" name="Rectangle 6"/>
+          <p:cNvSpPr/>
+          <p:nvPr/>
+        </p:nvSpPr>
+        <p:spPr>
+          <a:xfrm>
+            <a:off x="3100611" y="1938418"/>
+            <a:ext cx="783704" cy="244860"/>
+          </a:xfrm>
+          <a:prstGeom prst="rect">
+            <a:avLst/>
+          </a:prstGeom>
+          <a:solidFill>
+            <a:schemeClr val="tx2">
+              <a:lumMod val="60000"/>
+              <a:lumOff val="40000"/>
+            </a:schemeClr>
+          </a:solidFill>
+        </p:spPr>
+        <p:style>
+          <a:lnRef idx="0">
+            <a:schemeClr val="accent1"/>
+          </a:lnRef>
+          <a:fillRef idx="3">
+            <a:schemeClr val="accent1"/>
+          </a:fillRef>
+          <a:effectRef idx="3">
+            <a:schemeClr val="accent1"/>
+          </a:effectRef>
+          <a:fontRef idx="minor">
+            <a:schemeClr val="lt1"/>
+          </a:fontRef>
+        </p:style>
+        <p:txBody>
+          <a:bodyPr rtlCol="0" anchor="ctr"/>
+          <a:lstStyle/>
+          <a:p>
+            <a:pPr algn="ctr"/>
+            <a:r>
+              <a:rPr lang="en-US" sz="1400" dirty="0" smtClean="0"/>
+              <a:t>&lt;arch1&gt;</a:t>
+            </a:r>
+            <a:endParaRPr lang="en-CA" sz="1400" dirty="0"/>
+          </a:p>
+        </p:txBody>
+      </p:sp>
+      <p:sp>
+        <p:nvSpPr>
+          <p:cNvPr id="8" name="Rectangle 7"/>
+          <p:cNvSpPr/>
+          <p:nvPr/>
+        </p:nvSpPr>
+        <p:spPr>
+          <a:xfrm>
+            <a:off x="4434296" y="1455948"/>
+            <a:ext cx="576064" cy="244860"/>
+          </a:xfrm>
+          <a:prstGeom prst="rect">
+            <a:avLst/>
+          </a:prstGeom>
+          <a:solidFill>
+            <a:schemeClr val="tx2">
+              <a:lumMod val="60000"/>
+              <a:lumOff val="40000"/>
+            </a:schemeClr>
+          </a:solidFill>
+        </p:spPr>
+        <p:style>
+          <a:lnRef idx="0">
+            <a:schemeClr val="accent1"/>
+          </a:lnRef>
+          <a:fillRef idx="3">
+            <a:schemeClr val="accent1"/>
+          </a:fillRef>
+          <a:effectRef idx="3">
+            <a:schemeClr val="accent1"/>
+          </a:effectRef>
+          <a:fontRef idx="minor">
+            <a:schemeClr val="lt1"/>
+          </a:fontRef>
+        </p:style>
+        <p:txBody>
+          <a:bodyPr rtlCol="0" anchor="ctr"/>
+          <a:lstStyle/>
+          <a:p>
+            <a:pPr algn="ctr"/>
+            <a:r>
+              <a:rPr lang="en-US" sz="1400" dirty="0" smtClean="0"/>
+              <a:t>exp1</a:t>
+            </a:r>
+            <a:endParaRPr lang="en-CA" sz="1400" dirty="0"/>
+          </a:p>
+        </p:txBody>
+      </p:sp>
+      <p:sp>
+        <p:nvSpPr>
+          <p:cNvPr id="9" name="Rectangle 8"/>
+          <p:cNvSpPr/>
+          <p:nvPr/>
+        </p:nvSpPr>
+        <p:spPr>
+          <a:xfrm>
+            <a:off x="1065073" y="2420888"/>
+            <a:ext cx="962850" cy="244860"/>
+          </a:xfrm>
+          <a:prstGeom prst="rect">
+            <a:avLst/>
+          </a:prstGeom>
+          <a:solidFill>
+            <a:schemeClr val="tx2">
+              <a:lumMod val="60000"/>
+              <a:lumOff val="40000"/>
+            </a:schemeClr>
+          </a:solidFill>
+        </p:spPr>
+        <p:style>
+          <a:lnRef idx="0">
+            <a:schemeClr val="accent1"/>
+          </a:lnRef>
+          <a:fillRef idx="3">
+            <a:schemeClr val="accent1"/>
+          </a:fillRef>
+          <a:effectRef idx="3">
+            <a:schemeClr val="accent1"/>
+          </a:effectRef>
+          <a:fontRef idx="minor">
+            <a:schemeClr val="lt1"/>
+          </a:fontRef>
+        </p:style>
+        <p:txBody>
+          <a:bodyPr rtlCol="0" anchor="ctr"/>
+          <a:lstStyle/>
+          <a:p>
+            <a:pPr algn="ctr"/>
+            <a:r>
+              <a:rPr lang="en-US" sz="1400" dirty="0" smtClean="0"/>
+              <a:t>&lt;circuit1&gt;</a:t>
+            </a:r>
+            <a:endParaRPr lang="en-CA" sz="1400" dirty="0"/>
+          </a:p>
+        </p:txBody>
+      </p:sp>
+      <p:sp>
+        <p:nvSpPr>
+          <p:cNvPr id="10" name="Rectangle 9"/>
+          <p:cNvSpPr/>
+          <p:nvPr/>
+        </p:nvSpPr>
+        <p:spPr>
+          <a:xfrm>
+            <a:off x="2136595" y="2420888"/>
+            <a:ext cx="962850" cy="244860"/>
+          </a:xfrm>
+          <a:prstGeom prst="rect">
+            <a:avLst/>
+          </a:prstGeom>
+          <a:solidFill>
+            <a:schemeClr val="tx2">
+              <a:lumMod val="60000"/>
+              <a:lumOff val="40000"/>
+            </a:schemeClr>
+          </a:solidFill>
+        </p:spPr>
+        <p:style>
+          <a:lnRef idx="0">
+            <a:schemeClr val="accent1"/>
+          </a:lnRef>
+          <a:fillRef idx="3">
+            <a:schemeClr val="accent1"/>
+          </a:fillRef>
+          <a:effectRef idx="3">
+            <a:schemeClr val="accent1"/>
+          </a:effectRef>
+          <a:fontRef idx="minor">
+            <a:schemeClr val="lt1"/>
+          </a:fontRef>
+        </p:style>
+        <p:txBody>
+          <a:bodyPr rtlCol="0" anchor="ctr"/>
+          <a:lstStyle/>
+          <a:p>
+            <a:pPr algn="ctr"/>
+            <a:r>
+              <a:rPr lang="en-US" sz="1400" dirty="0" smtClean="0"/>
+              <a:t>&lt;circuit2&gt;</a:t>
+            </a:r>
+            <a:endParaRPr lang="en-CA" sz="1400" dirty="0"/>
+          </a:p>
+        </p:txBody>
+      </p:sp>
+      <p:sp>
+        <p:nvSpPr>
+          <p:cNvPr id="11" name="Rectangle 10"/>
+          <p:cNvSpPr/>
+          <p:nvPr/>
+        </p:nvSpPr>
+        <p:spPr>
+          <a:xfrm>
+            <a:off x="3401724" y="2420888"/>
+            <a:ext cx="962850" cy="244860"/>
+          </a:xfrm>
+          <a:prstGeom prst="rect">
+            <a:avLst/>
+          </a:prstGeom>
+          <a:solidFill>
+            <a:schemeClr val="tx2">
+              <a:lumMod val="60000"/>
+              <a:lumOff val="40000"/>
+            </a:schemeClr>
+          </a:solidFill>
+        </p:spPr>
+        <p:style>
+          <a:lnRef idx="0">
+            <a:schemeClr val="accent1"/>
+          </a:lnRef>
+          <a:fillRef idx="3">
+            <a:schemeClr val="accent1"/>
+          </a:fillRef>
+          <a:effectRef idx="3">
+            <a:schemeClr val="accent1"/>
+          </a:effectRef>
+          <a:fontRef idx="minor">
+            <a:schemeClr val="lt1"/>
+          </a:fontRef>
+        </p:style>
+        <p:txBody>
+          <a:bodyPr rtlCol="0" anchor="ctr"/>
+          <a:lstStyle/>
+          <a:p>
+            <a:pPr algn="ctr"/>
+            <a:r>
+              <a:rPr lang="en-US" sz="1400" dirty="0" smtClean="0"/>
+              <a:t>&lt;circuit1&gt;</a:t>
+            </a:r>
+            <a:endParaRPr lang="en-CA" sz="1400" dirty="0"/>
+          </a:p>
+        </p:txBody>
+      </p:sp>
+      <p:sp>
+        <p:nvSpPr>
+          <p:cNvPr id="12" name="Rectangle 11"/>
+          <p:cNvSpPr/>
+          <p:nvPr/>
+        </p:nvSpPr>
+        <p:spPr>
+          <a:xfrm>
+            <a:off x="4473246" y="2420888"/>
+            <a:ext cx="962850" cy="244860"/>
+          </a:xfrm>
+          <a:prstGeom prst="rect">
+            <a:avLst/>
+          </a:prstGeom>
+          <a:solidFill>
+            <a:schemeClr val="tx2">
+              <a:lumMod val="60000"/>
+              <a:lumOff val="40000"/>
+            </a:schemeClr>
+          </a:solidFill>
+        </p:spPr>
+        <p:style>
+          <a:lnRef idx="0">
+            <a:schemeClr val="accent1"/>
+          </a:lnRef>
+          <a:fillRef idx="3">
+            <a:schemeClr val="accent1"/>
+          </a:fillRef>
+          <a:effectRef idx="3">
+            <a:schemeClr val="accent1"/>
+          </a:effectRef>
+          <a:fontRef idx="minor">
+            <a:schemeClr val="lt1"/>
+          </a:fontRef>
+        </p:style>
+        <p:txBody>
+          <a:bodyPr rtlCol="0" anchor="ctr"/>
+          <a:lstStyle/>
+          <a:p>
+            <a:pPr algn="ctr"/>
+            <a:r>
+              <a:rPr lang="en-US" sz="1400" dirty="0" smtClean="0"/>
+              <a:t>&lt;circuit2&gt;</a:t>
+            </a:r>
+            <a:endParaRPr lang="en-CA" sz="1400" dirty="0"/>
+          </a:p>
+        </p:txBody>
+      </p:sp>
+      <p:sp>
+        <p:nvSpPr>
+          <p:cNvPr id="13" name="TextBox 12"/>
+          <p:cNvSpPr txBox="1"/>
+          <p:nvPr/>
+        </p:nvSpPr>
+        <p:spPr>
+          <a:xfrm>
+            <a:off x="1012088" y="2924944"/>
+            <a:ext cx="1068819" cy="830997"/>
+          </a:xfrm>
+          <a:prstGeom prst="rect">
+            <a:avLst/>
+          </a:prstGeom>
+          <a:noFill/>
+          <a:ln>
+            <a:solidFill>
+              <a:schemeClr val="tx1"/>
+            </a:solidFill>
+          </a:ln>
+        </p:spPr>
+        <p:txBody>
+          <a:bodyPr wrap="none" rtlCol="0">
+            <a:spAutoFit/>
+          </a:bodyPr>
+          <a:lstStyle/>
+          <a:p>
+            <a:r>
+              <a:rPr lang="en-US" sz="1200" dirty="0" err="1" smtClean="0"/>
+              <a:t>odin.out</a:t>
+            </a:r>
+            <a:endParaRPr lang="en-US" sz="1200" dirty="0" smtClean="0"/>
+          </a:p>
+          <a:p>
+            <a:r>
+              <a:rPr lang="en-US" sz="1200" dirty="0" err="1" smtClean="0"/>
+              <a:t>abc.out</a:t>
+            </a:r>
+            <a:endParaRPr lang="en-US" sz="1200" dirty="0" smtClean="0"/>
+          </a:p>
+          <a:p>
+            <a:r>
+              <a:rPr lang="en-US" sz="1200" dirty="0" err="1" smtClean="0"/>
+              <a:t>fix_scripts.out</a:t>
+            </a:r>
+            <a:endParaRPr lang="en-US" sz="1200" dirty="0" smtClean="0"/>
+          </a:p>
+          <a:p>
+            <a:r>
+              <a:rPr lang="en-US" sz="1200" dirty="0" err="1" smtClean="0"/>
+              <a:t>vpr.out</a:t>
+            </a:r>
+            <a:endParaRPr lang="en-CA" sz="1200" dirty="0"/>
+          </a:p>
+        </p:txBody>
+      </p:sp>
+      <p:cxnSp>
+        <p:nvCxnSpPr>
+          <p:cNvPr id="15" name="Straight Arrow Connector 14"/>
+          <p:cNvCxnSpPr>
+            <a:stCxn id="2" idx="2"/>
+            <a:endCxn id="3" idx="0"/>
+          </p:cNvCxnSpPr>
+          <p:nvPr/>
+        </p:nvCxnSpPr>
+        <p:spPr>
+          <a:xfrm flipH="1">
+            <a:off x="2987824" y="1239924"/>
+            <a:ext cx="881188" cy="216024"/>
+          </a:xfrm>
+          <a:prstGeom prst="straightConnector1">
+            <a:avLst/>
+          </a:prstGeom>
+          <a:ln w="28575">
+            <a:tailEnd type="arrow"/>
+          </a:ln>
+        </p:spPr>
+        <p:style>
+          <a:lnRef idx="1">
+            <a:schemeClr val="accent1"/>
+          </a:lnRef>
+          <a:fillRef idx="0">
+            <a:schemeClr val="accent1"/>
+          </a:fillRef>
+          <a:effectRef idx="0">
+            <a:schemeClr val="accent1"/>
+          </a:effectRef>
+          <a:fontRef idx="minor">
+            <a:schemeClr val="tx1"/>
+          </a:fontRef>
+        </p:style>
+      </p:cxnSp>
+      <p:cxnSp>
+        <p:nvCxnSpPr>
+          <p:cNvPr id="16" name="Straight Arrow Connector 15"/>
+          <p:cNvCxnSpPr>
+            <a:stCxn id="2" idx="2"/>
+            <a:endCxn id="4" idx="0"/>
+          </p:cNvCxnSpPr>
+          <p:nvPr/>
+        </p:nvCxnSpPr>
+        <p:spPr>
+          <a:xfrm>
+            <a:off x="3869012" y="1239924"/>
+            <a:ext cx="0" cy="216024"/>
+          </a:xfrm>
+          <a:prstGeom prst="straightConnector1">
+            <a:avLst/>
+          </a:prstGeom>
+          <a:ln w="28575">
+            <a:tailEnd type="arrow"/>
+          </a:ln>
+        </p:spPr>
+        <p:style>
+          <a:lnRef idx="1">
+            <a:schemeClr val="accent1"/>
+          </a:lnRef>
+          <a:fillRef idx="0">
+            <a:schemeClr val="accent1"/>
+          </a:fillRef>
+          <a:effectRef idx="0">
+            <a:schemeClr val="accent1"/>
+          </a:effectRef>
+          <a:fontRef idx="minor">
+            <a:schemeClr val="tx1"/>
+          </a:fontRef>
+        </p:style>
+      </p:cxnSp>
+      <p:cxnSp>
+        <p:nvCxnSpPr>
+          <p:cNvPr id="19" name="Straight Arrow Connector 18"/>
+          <p:cNvCxnSpPr>
+            <a:stCxn id="2" idx="2"/>
+            <a:endCxn id="8" idx="0"/>
+          </p:cNvCxnSpPr>
+          <p:nvPr/>
+        </p:nvCxnSpPr>
+        <p:spPr>
+          <a:xfrm>
+            <a:off x="3869012" y="1239924"/>
+            <a:ext cx="853316" cy="216024"/>
+          </a:xfrm>
+          <a:prstGeom prst="straightConnector1">
+            <a:avLst/>
+          </a:prstGeom>
+          <a:ln w="28575">
+            <a:tailEnd type="arrow"/>
+          </a:ln>
+        </p:spPr>
+        <p:style>
+          <a:lnRef idx="1">
+            <a:schemeClr val="accent1"/>
+          </a:lnRef>
+          <a:fillRef idx="0">
+            <a:schemeClr val="accent1"/>
+          </a:fillRef>
+          <a:effectRef idx="0">
+            <a:schemeClr val="accent1"/>
+          </a:effectRef>
+          <a:fontRef idx="minor">
+            <a:schemeClr val="tx1"/>
+          </a:fontRef>
+        </p:style>
+      </p:cxnSp>
+      <p:cxnSp>
+        <p:nvCxnSpPr>
+          <p:cNvPr id="23" name="Straight Arrow Connector 22"/>
+          <p:cNvCxnSpPr>
+            <a:stCxn id="3" idx="2"/>
+            <a:endCxn id="6" idx="0"/>
+          </p:cNvCxnSpPr>
+          <p:nvPr/>
+        </p:nvCxnSpPr>
+        <p:spPr>
+          <a:xfrm flipH="1">
+            <a:off x="2515580" y="1700808"/>
+            <a:ext cx="472244" cy="237610"/>
+          </a:xfrm>
+          <a:prstGeom prst="straightConnector1">
+            <a:avLst/>
+          </a:prstGeom>
+          <a:ln w="28575">
+            <a:tailEnd type="arrow"/>
+          </a:ln>
+        </p:spPr>
+        <p:style>
+          <a:lnRef idx="1">
+            <a:schemeClr val="accent1"/>
+          </a:lnRef>
+          <a:fillRef idx="0">
+            <a:schemeClr val="accent1"/>
+          </a:fillRef>
+          <a:effectRef idx="0">
+            <a:schemeClr val="accent1"/>
+          </a:effectRef>
+          <a:fontRef idx="minor">
+            <a:schemeClr val="tx1"/>
+          </a:fontRef>
+        </p:style>
+      </p:cxnSp>
+      <p:cxnSp>
+        <p:nvCxnSpPr>
+          <p:cNvPr id="26" name="Straight Arrow Connector 25"/>
+          <p:cNvCxnSpPr>
+            <a:stCxn id="3" idx="2"/>
+            <a:endCxn id="7" idx="0"/>
+          </p:cNvCxnSpPr>
+          <p:nvPr/>
+        </p:nvCxnSpPr>
+        <p:spPr>
+          <a:xfrm>
+            <a:off x="2987824" y="1700808"/>
+            <a:ext cx="504639" cy="237610"/>
+          </a:xfrm>
+          <a:prstGeom prst="straightConnector1">
+            <a:avLst/>
+          </a:prstGeom>
+          <a:ln w="28575">
+            <a:tailEnd type="arrow"/>
+          </a:ln>
+        </p:spPr>
+        <p:style>
+          <a:lnRef idx="1">
+            <a:schemeClr val="accent1"/>
+          </a:lnRef>
+          <a:fillRef idx="0">
+            <a:schemeClr val="accent1"/>
+          </a:fillRef>
+          <a:effectRef idx="0">
+            <a:schemeClr val="accent1"/>
+          </a:effectRef>
+          <a:fontRef idx="minor">
+            <a:schemeClr val="tx1"/>
+          </a:fontRef>
+        </p:style>
+      </p:cxnSp>
+      <p:cxnSp>
+        <p:nvCxnSpPr>
+          <p:cNvPr id="29" name="Straight Arrow Connector 28"/>
+          <p:cNvCxnSpPr>
+            <a:stCxn id="6" idx="2"/>
+            <a:endCxn id="9" idx="0"/>
+          </p:cNvCxnSpPr>
+          <p:nvPr/>
+        </p:nvCxnSpPr>
+        <p:spPr>
+          <a:xfrm flipH="1">
+            <a:off x="1546498" y="2183278"/>
+            <a:ext cx="969082" cy="237610"/>
+          </a:xfrm>
+          <a:prstGeom prst="straightConnector1">
+            <a:avLst/>
+          </a:prstGeom>
+          <a:ln w="28575">
+            <a:tailEnd type="arrow"/>
+          </a:ln>
+        </p:spPr>
+        <p:style>
+          <a:lnRef idx="1">
+            <a:schemeClr val="accent1"/>
+          </a:lnRef>
+          <a:fillRef idx="0">
+            <a:schemeClr val="accent1"/>
+          </a:fillRef>
+          <a:effectRef idx="0">
+            <a:schemeClr val="accent1"/>
+          </a:effectRef>
+          <a:fontRef idx="minor">
+            <a:schemeClr val="tx1"/>
+          </a:fontRef>
+        </p:style>
+      </p:cxnSp>
+      <p:cxnSp>
+        <p:nvCxnSpPr>
+          <p:cNvPr id="32" name="Straight Arrow Connector 31"/>
+          <p:cNvCxnSpPr>
+            <a:stCxn id="6" idx="2"/>
+            <a:endCxn id="10" idx="0"/>
+          </p:cNvCxnSpPr>
+          <p:nvPr/>
+        </p:nvCxnSpPr>
+        <p:spPr>
+          <a:xfrm>
+            <a:off x="2515580" y="2183278"/>
+            <a:ext cx="102440" cy="237610"/>
+          </a:xfrm>
+          <a:prstGeom prst="straightConnector1">
+            <a:avLst/>
+          </a:prstGeom>
+          <a:ln w="28575">
+            <a:tailEnd type="arrow"/>
+          </a:ln>
+        </p:spPr>
+        <p:style>
+          <a:lnRef idx="1">
+            <a:schemeClr val="accent1"/>
+          </a:lnRef>
+          <a:fillRef idx="0">
+            <a:schemeClr val="accent1"/>
+          </a:fillRef>
+          <a:effectRef idx="0">
+            <a:schemeClr val="accent1"/>
+          </a:effectRef>
+          <a:fontRef idx="minor">
+            <a:schemeClr val="tx1"/>
+          </a:fontRef>
+        </p:style>
+      </p:cxnSp>
+      <p:cxnSp>
+        <p:nvCxnSpPr>
+          <p:cNvPr id="35" name="Straight Arrow Connector 34"/>
+          <p:cNvCxnSpPr>
+            <a:stCxn id="7" idx="2"/>
+            <a:endCxn id="11" idx="0"/>
+          </p:cNvCxnSpPr>
+          <p:nvPr/>
+        </p:nvCxnSpPr>
+        <p:spPr>
+          <a:xfrm>
+            <a:off x="3492463" y="2183278"/>
+            <a:ext cx="390686" cy="237610"/>
+          </a:xfrm>
+          <a:prstGeom prst="straightConnector1">
+            <a:avLst/>
+          </a:prstGeom>
+          <a:ln w="28575">
+            <a:tailEnd type="arrow"/>
+          </a:ln>
+        </p:spPr>
+        <p:style>
+          <a:lnRef idx="1">
+            <a:schemeClr val="accent1"/>
+          </a:lnRef>
+          <a:fillRef idx="0">
+            <a:schemeClr val="accent1"/>
+          </a:fillRef>
+          <a:effectRef idx="0">
+            <a:schemeClr val="accent1"/>
+          </a:effectRef>
+          <a:fontRef idx="minor">
+            <a:schemeClr val="tx1"/>
+          </a:fontRef>
+        </p:style>
+      </p:cxnSp>
+      <p:cxnSp>
+        <p:nvCxnSpPr>
+          <p:cNvPr id="38" name="Straight Arrow Connector 37"/>
+          <p:cNvCxnSpPr>
+            <a:stCxn id="7" idx="2"/>
+            <a:endCxn id="12" idx="0"/>
+          </p:cNvCxnSpPr>
+          <p:nvPr/>
+        </p:nvCxnSpPr>
+        <p:spPr>
+          <a:xfrm>
+            <a:off x="3492463" y="2183278"/>
+            <a:ext cx="1462208" cy="237610"/>
+          </a:xfrm>
+          <a:prstGeom prst="straightConnector1">
+            <a:avLst/>
+          </a:prstGeom>
+          <a:ln w="28575">
+            <a:tailEnd type="arrow"/>
+          </a:ln>
+        </p:spPr>
+        <p:style>
+          <a:lnRef idx="1">
+            <a:schemeClr val="accent1"/>
+          </a:lnRef>
+          <a:fillRef idx="0">
+            <a:schemeClr val="accent1"/>
+          </a:fillRef>
+          <a:effectRef idx="0">
+            <a:schemeClr val="accent1"/>
+          </a:effectRef>
+          <a:fontRef idx="minor">
+            <a:schemeClr val="tx1"/>
+          </a:fontRef>
+        </p:style>
+      </p:cxnSp>
+      <p:cxnSp>
+        <p:nvCxnSpPr>
+          <p:cNvPr id="41" name="Straight Arrow Connector 40"/>
+          <p:cNvCxnSpPr>
+            <a:stCxn id="9" idx="2"/>
+            <a:endCxn id="13" idx="0"/>
+          </p:cNvCxnSpPr>
+          <p:nvPr/>
+        </p:nvCxnSpPr>
+        <p:spPr>
+          <a:xfrm>
+            <a:off x="1546498" y="2665748"/>
+            <a:ext cx="0" cy="259196"/>
+          </a:xfrm>
+          <a:prstGeom prst="straightConnector1">
+            <a:avLst/>
+          </a:prstGeom>
+          <a:ln w="28575">
+            <a:tailEnd type="arrow"/>
+          </a:ln>
+        </p:spPr>
+        <p:style>
+          <a:lnRef idx="1">
+            <a:schemeClr val="accent1"/>
+          </a:lnRef>
+          <a:fillRef idx="0">
+            <a:schemeClr val="accent1"/>
+          </a:fillRef>
+          <a:effectRef idx="0">
+            <a:schemeClr val="accent1"/>
+          </a:effectRef>
+          <a:fontRef idx="minor">
+            <a:schemeClr val="tx1"/>
+          </a:fontRef>
+        </p:style>
+      </p:cxnSp>
+      <p:cxnSp>
+        <p:nvCxnSpPr>
+          <p:cNvPr id="45" name="Straight Arrow Connector 44"/>
+          <p:cNvCxnSpPr/>
+          <p:nvPr/>
+        </p:nvCxnSpPr>
+        <p:spPr>
+          <a:xfrm>
+            <a:off x="2618020" y="2665195"/>
+            <a:ext cx="0" cy="259196"/>
+          </a:xfrm>
+          <a:prstGeom prst="straightConnector1">
+            <a:avLst/>
+          </a:prstGeom>
+          <a:ln w="28575">
+            <a:tailEnd type="arrow"/>
+          </a:ln>
+        </p:spPr>
+        <p:style>
+          <a:lnRef idx="1">
+            <a:schemeClr val="accent1"/>
+          </a:lnRef>
+          <a:fillRef idx="0">
+            <a:schemeClr val="accent1"/>
+          </a:fillRef>
+          <a:effectRef idx="0">
+            <a:schemeClr val="accent1"/>
+          </a:effectRef>
+          <a:fontRef idx="minor">
+            <a:schemeClr val="tx1"/>
+          </a:fontRef>
+        </p:style>
+      </p:cxnSp>
+      <p:cxnSp>
+        <p:nvCxnSpPr>
+          <p:cNvPr id="46" name="Straight Arrow Connector 45"/>
+          <p:cNvCxnSpPr/>
+          <p:nvPr/>
+        </p:nvCxnSpPr>
+        <p:spPr>
+          <a:xfrm>
+            <a:off x="3869012" y="2665195"/>
+            <a:ext cx="0" cy="259196"/>
+          </a:xfrm>
+          <a:prstGeom prst="straightConnector1">
+            <a:avLst/>
+          </a:prstGeom>
+          <a:ln w="28575">
+            <a:tailEnd type="arrow"/>
+          </a:ln>
+        </p:spPr>
+        <p:style>
+          <a:lnRef idx="1">
+            <a:schemeClr val="accent1"/>
+          </a:lnRef>
+          <a:fillRef idx="0">
+            <a:schemeClr val="accent1"/>
+          </a:fillRef>
+          <a:effectRef idx="0">
+            <a:schemeClr val="accent1"/>
+          </a:effectRef>
+          <a:fontRef idx="minor">
+            <a:schemeClr val="tx1"/>
+          </a:fontRef>
+        </p:style>
+      </p:cxnSp>
+      <p:cxnSp>
+        <p:nvCxnSpPr>
+          <p:cNvPr id="47" name="Straight Arrow Connector 46"/>
+          <p:cNvCxnSpPr/>
+          <p:nvPr/>
+        </p:nvCxnSpPr>
+        <p:spPr>
+          <a:xfrm>
+            <a:off x="4954671" y="2656096"/>
+            <a:ext cx="0" cy="259196"/>
+          </a:xfrm>
+          <a:prstGeom prst="straightConnector1">
+            <a:avLst/>
+          </a:prstGeom>
+          <a:ln w="28575">
+            <a:tailEnd type="arrow"/>
+          </a:ln>
+        </p:spPr>
+        <p:style>
+          <a:lnRef idx="1">
+            <a:schemeClr val="accent1"/>
+          </a:lnRef>
+          <a:fillRef idx="0">
+            <a:schemeClr val="accent1"/>
+          </a:fillRef>
+          <a:effectRef idx="0">
+            <a:schemeClr val="accent1"/>
+          </a:effectRef>
+          <a:fontRef idx="minor">
+            <a:schemeClr val="tx1"/>
+          </a:fontRef>
+        </p:style>
+      </p:cxnSp>
+    </p:spTree>
+    <p:extLst>
+      <p:ext uri="{BB962C8B-B14F-4D97-AF65-F5344CB8AC3E}">
+        <p14:creationId xmlns:p14="http://schemas.microsoft.com/office/powerpoint/2010/main" val="1905703035"/>
+      </p:ext>
+    </p:extLst>
+  </p:cSld>
+  <p:clrMapOvr>
+    <a:masterClrMapping/>
+  </p:clrMapOvr>
+</p:sld>
+</file>
+
 <file path=ppt/theme/theme1.xml><?xml version="1.0" encoding="utf-8"?>
 <a:theme xmlns:a="http://schemas.openxmlformats.org/drawingml/2006/main" name="Office Theme">
   <a:themeElements>

--- a/wiki/misc/wiki_diagrams.pptx
+++ b/wiki/misc/wiki_diagrams.pptx
@@ -3686,9 +3686,8 @@
             <a:avLst/>
           </a:prstGeom>
           <a:solidFill>
-            <a:schemeClr val="tx2">
-              <a:lumMod val="60000"/>
-              <a:lumOff val="40000"/>
+            <a:schemeClr val="accent2">
+              <a:lumMod val="75000"/>
             </a:schemeClr>
           </a:solidFill>
         </p:spPr>
@@ -4174,9 +4173,12 @@
             <a:avLst/>
           </a:prstGeom>
           <a:noFill/>
-          <a:ln>
+          <a:ln w="28575">
             <a:solidFill>
-              <a:schemeClr val="tx1"/>
+              <a:schemeClr val="tx2">
+                <a:lumMod val="60000"/>
+                <a:lumOff val="40000"/>
+              </a:schemeClr>
             </a:solidFill>
           </a:ln>
         </p:spPr>
@@ -4656,6 +4658,172 @@
             <a:avLst/>
           </a:prstGeom>
           <a:ln w="28575">
+            <a:tailEnd type="arrow"/>
+          </a:ln>
+        </p:spPr>
+        <p:style>
+          <a:lnRef idx="1">
+            <a:schemeClr val="accent1"/>
+          </a:lnRef>
+          <a:fillRef idx="0">
+            <a:schemeClr val="accent1"/>
+          </a:fillRef>
+          <a:effectRef idx="0">
+            <a:schemeClr val="accent1"/>
+          </a:effectRef>
+          <a:fontRef idx="minor">
+            <a:schemeClr val="tx1"/>
+          </a:fontRef>
+        </p:style>
+      </p:cxnSp>
+      <p:sp>
+        <p:nvSpPr>
+          <p:cNvPr id="48" name="Rectangle 47"/>
+          <p:cNvSpPr/>
+          <p:nvPr/>
+        </p:nvSpPr>
+        <p:spPr>
+          <a:xfrm>
+            <a:off x="1546496" y="1455948"/>
+            <a:ext cx="721247" cy="244860"/>
+          </a:xfrm>
+          <a:prstGeom prst="rect">
+            <a:avLst/>
+          </a:prstGeom>
+          <a:solidFill>
+            <a:schemeClr val="accent2">
+              <a:lumMod val="75000"/>
+            </a:schemeClr>
+          </a:solidFill>
+        </p:spPr>
+        <p:style>
+          <a:lnRef idx="0">
+            <a:schemeClr val="accent1"/>
+          </a:lnRef>
+          <a:fillRef idx="3">
+            <a:schemeClr val="accent1"/>
+          </a:fillRef>
+          <a:effectRef idx="3">
+            <a:schemeClr val="accent1"/>
+          </a:effectRef>
+          <a:fontRef idx="minor">
+            <a:schemeClr val="lt1"/>
+          </a:fontRef>
+        </p:style>
+        <p:txBody>
+          <a:bodyPr rtlCol="0" anchor="ctr"/>
+          <a:lstStyle/>
+          <a:p>
+            <a:pPr algn="ctr"/>
+            <a:r>
+              <a:rPr lang="en-US" sz="1400" dirty="0" err="1" smtClean="0"/>
+              <a:t>config</a:t>
+            </a:r>
+            <a:endParaRPr lang="en-CA" sz="1400" dirty="0"/>
+          </a:p>
+        </p:txBody>
+      </p:sp>
+      <p:cxnSp>
+        <p:nvCxnSpPr>
+          <p:cNvPr id="49" name="Straight Arrow Connector 48"/>
+          <p:cNvCxnSpPr>
+            <a:stCxn id="2" idx="2"/>
+            <a:endCxn id="48" idx="0"/>
+          </p:cNvCxnSpPr>
+          <p:nvPr/>
+        </p:nvCxnSpPr>
+        <p:spPr>
+          <a:xfrm flipH="1">
+            <a:off x="1907120" y="1239924"/>
+            <a:ext cx="1961892" cy="216024"/>
+          </a:xfrm>
+          <a:prstGeom prst="straightConnector1">
+            <a:avLst/>
+          </a:prstGeom>
+          <a:ln w="28575">
+            <a:solidFill>
+              <a:schemeClr val="accent2">
+                <a:lumMod val="75000"/>
+              </a:schemeClr>
+            </a:solidFill>
+            <a:tailEnd type="arrow"/>
+          </a:ln>
+        </p:spPr>
+        <p:style>
+          <a:lnRef idx="1">
+            <a:schemeClr val="accent1"/>
+          </a:lnRef>
+          <a:fillRef idx="0">
+            <a:schemeClr val="accent1"/>
+          </a:fillRef>
+          <a:effectRef idx="0">
+            <a:schemeClr val="accent1"/>
+          </a:effectRef>
+          <a:fontRef idx="minor">
+            <a:schemeClr val="tx1"/>
+          </a:fontRef>
+        </p:style>
+      </p:cxnSp>
+      <p:sp>
+        <p:nvSpPr>
+          <p:cNvPr id="52" name="TextBox 51"/>
+          <p:cNvSpPr txBox="1"/>
+          <p:nvPr/>
+        </p:nvSpPr>
+        <p:spPr>
+          <a:xfrm>
+            <a:off x="1012088" y="1930439"/>
+            <a:ext cx="769506" cy="276999"/>
+          </a:xfrm>
+          <a:prstGeom prst="rect">
+            <a:avLst/>
+          </a:prstGeom>
+          <a:noFill/>
+          <a:ln w="28575">
+            <a:solidFill>
+              <a:schemeClr val="accent2">
+                <a:lumMod val="75000"/>
+              </a:schemeClr>
+            </a:solidFill>
+          </a:ln>
+        </p:spPr>
+        <p:txBody>
+          <a:bodyPr wrap="none" rtlCol="0">
+            <a:spAutoFit/>
+          </a:bodyPr>
+          <a:lstStyle/>
+          <a:p>
+            <a:r>
+              <a:rPr lang="en-US" sz="1200" dirty="0" smtClean="0"/>
+              <a:t>config.txt</a:t>
+            </a:r>
+            <a:endParaRPr lang="en-CA" sz="1200" dirty="0"/>
+          </a:p>
+        </p:txBody>
+      </p:sp>
+      <p:cxnSp>
+        <p:nvCxnSpPr>
+          <p:cNvPr id="53" name="Straight Arrow Connector 52"/>
+          <p:cNvCxnSpPr>
+            <a:stCxn id="48" idx="2"/>
+            <a:endCxn id="52" idx="0"/>
+          </p:cNvCxnSpPr>
+          <p:nvPr/>
+        </p:nvCxnSpPr>
+        <p:spPr>
+          <a:xfrm flipH="1">
+            <a:off x="1396841" y="1700808"/>
+            <a:ext cx="510279" cy="229631"/>
+          </a:xfrm>
+          <a:prstGeom prst="straightConnector1">
+            <a:avLst/>
+          </a:prstGeom>
+          <a:ln w="28575">
+            <a:solidFill>
+              <a:schemeClr val="accent2">
+                <a:lumMod val="75000"/>
+              </a:schemeClr>
+            </a:solidFill>
             <a:tailEnd type="arrow"/>
           </a:ln>
         </p:spPr>

--- a/wiki/misc/wiki_diagrams.pptx
+++ b/wiki/misc/wiki_diagrams.pptx
@@ -3768,7 +3768,11 @@
             <a:pPr algn="ctr"/>
             <a:r>
               <a:rPr lang="en-US" sz="1400" dirty="0" smtClean="0"/>
-              <a:t>exp0</a:t>
+              <a:t>run</a:t>
+            </a:r>
+            <a:r>
+              <a:rPr lang="en-US" sz="1400" dirty="0" smtClean="0"/>
+              <a:t>0</a:t>
             </a:r>
             <a:endParaRPr lang="en-CA" sz="1400" dirty="0"/>
           </a:p>
@@ -3816,7 +3820,11 @@
             <a:pPr algn="ctr"/>
             <a:r>
               <a:rPr lang="en-US" sz="1400" dirty="0" smtClean="0"/>
-              <a:t>exp1</a:t>
+              <a:t>run</a:t>
+            </a:r>
+            <a:r>
+              <a:rPr lang="en-US" sz="1400" dirty="0" smtClean="0"/>
+              <a:t>1</a:t>
             </a:r>
             <a:endParaRPr lang="en-CA" sz="1400" dirty="0"/>
           </a:p>
@@ -3960,7 +3968,11 @@
             <a:pPr algn="ctr"/>
             <a:r>
               <a:rPr lang="en-US" sz="1400" dirty="0" smtClean="0"/>
-              <a:t>exp1</a:t>
+              <a:t>run</a:t>
+            </a:r>
+            <a:r>
+              <a:rPr lang="en-US" sz="1400" dirty="0"/>
+              <a:t>2</a:t>
             </a:r>
             <a:endParaRPr lang="en-CA" sz="1400" dirty="0"/>
           </a:p>

--- a/wiki/misc/wiki_diagrams.pptx
+++ b/wiki/misc/wiki_diagrams.pptx
@@ -3768,11 +3768,7 @@
             <a:pPr algn="ctr"/>
             <a:r>
               <a:rPr lang="en-US" sz="1400" dirty="0" smtClean="0"/>
-              <a:t>run</a:t>
-            </a:r>
-            <a:r>
-              <a:rPr lang="en-US" sz="1400" dirty="0" smtClean="0"/>
-              <a:t>0</a:t>
+              <a:t>run1</a:t>
             </a:r>
             <a:endParaRPr lang="en-CA" sz="1400" dirty="0"/>
           </a:p>
@@ -3820,11 +3816,7 @@
             <a:pPr algn="ctr"/>
             <a:r>
               <a:rPr lang="en-US" sz="1400" dirty="0" smtClean="0"/>
-              <a:t>run</a:t>
-            </a:r>
-            <a:r>
-              <a:rPr lang="en-US" sz="1400" dirty="0" smtClean="0"/>
-              <a:t>1</a:t>
+              <a:t>run2</a:t>
             </a:r>
             <a:endParaRPr lang="en-CA" sz="1400" dirty="0"/>
           </a:p>
@@ -3972,7 +3964,7 @@
             </a:r>
             <a:r>
               <a:rPr lang="en-US" sz="1400" dirty="0"/>
-              <a:t>2</a:t>
+              <a:t>3</a:t>
             </a:r>
             <a:endParaRPr lang="en-CA" sz="1400" dirty="0"/>
           </a:p>
